--- a/DATOS COVID Chile 2021 08 07.pptx
+++ b/DATOS COVID Chile 2021 08 07.pptx
@@ -4840,7 +4840,7 @@
 </file>
 
 <file path=ppt/slides/slide10.xml><?xml version="1.0" encoding="utf-8"?>
-<p:sld xmlns:a="http://schemas.openxmlformats.org/drawingml/2006/main" xmlns:r="http://schemas.openxmlformats.org/officeDocument/2006/relationships" xmlns:p="http://schemas.openxmlformats.org/presentationml/2006/main">
+<p:sld xmlns:a="http://schemas.openxmlformats.org/drawingml/2006/main" xmlns:r="http://schemas.openxmlformats.org/officeDocument/2006/relationships" xmlns:p="http://schemas.openxmlformats.org/presentationml/2006/main" show="0">
   <p:cSld>
     <p:spTree>
       <p:nvGrpSpPr>
@@ -7676,7 +7676,7 @@
                   <a:schemeClr val="accent1"/>
                 </a:solidFill>
               </a:rPr>
-              <a:t>58% </a:t>
+              <a:t>59% </a:t>
             </a:r>
           </a:p>
           <a:p>

--- a/DATOS COVID Chile 2021 08 07.pptx
+++ b/DATOS COVID Chile 2021 08 07.pptx
@@ -6657,7 +6657,7 @@
 </file>
 
 <file path=ppt/slides/slide20.xml><?xml version="1.0" encoding="utf-8"?>
-<p:sld xmlns:a="http://schemas.openxmlformats.org/drawingml/2006/main" xmlns:r="http://schemas.openxmlformats.org/officeDocument/2006/relationships" xmlns:p="http://schemas.openxmlformats.org/presentationml/2006/main">
+<p:sld xmlns:a="http://schemas.openxmlformats.org/drawingml/2006/main" xmlns:r="http://schemas.openxmlformats.org/officeDocument/2006/relationships" xmlns:p="http://schemas.openxmlformats.org/presentationml/2006/main" show="0">
   <p:cSld>
     <p:spTree>
       <p:nvGrpSpPr>
@@ -6747,7 +6747,7 @@
 </file>
 
 <file path=ppt/slides/slide21.xml><?xml version="1.0" encoding="utf-8"?>
-<p:sld xmlns:a="http://schemas.openxmlformats.org/drawingml/2006/main" xmlns:r="http://schemas.openxmlformats.org/officeDocument/2006/relationships" xmlns:p="http://schemas.openxmlformats.org/presentationml/2006/main">
+<p:sld xmlns:a="http://schemas.openxmlformats.org/drawingml/2006/main" xmlns:r="http://schemas.openxmlformats.org/officeDocument/2006/relationships" xmlns:p="http://schemas.openxmlformats.org/presentationml/2006/main" show="0">
   <p:cSld>
     <p:spTree>
       <p:nvGrpSpPr>
@@ -7034,7 +7034,7 @@
 </file>
 
 <file path=ppt/slides/slide22.xml><?xml version="1.0" encoding="utf-8"?>
-<p:sld xmlns:a="http://schemas.openxmlformats.org/drawingml/2006/main" xmlns:r="http://schemas.openxmlformats.org/officeDocument/2006/relationships" xmlns:p="http://schemas.openxmlformats.org/presentationml/2006/main">
+<p:sld xmlns:a="http://schemas.openxmlformats.org/drawingml/2006/main" xmlns:r="http://schemas.openxmlformats.org/officeDocument/2006/relationships" xmlns:p="http://schemas.openxmlformats.org/presentationml/2006/main" show="0">
   <p:cSld>
     <p:spTree>
       <p:nvGrpSpPr>
@@ -7583,186 +7583,6 @@
       </p:sp>
       <p:sp>
         <p:nvSpPr>
-          <p:cNvPr id="10" name="TextBox 9">
-            <a:extLst>
-              <a:ext uri="{FF2B5EF4-FFF2-40B4-BE49-F238E27FC236}">
-                <a16:creationId xmlns:a16="http://schemas.microsoft.com/office/drawing/2014/main" id="{632D7BE9-9058-7542-BFD7-975CC9BA5004}"/>
-              </a:ext>
-            </a:extLst>
-          </p:cNvPr>
-          <p:cNvSpPr txBox="1"/>
-          <p:nvPr/>
-        </p:nvSpPr>
-        <p:spPr>
-          <a:xfrm>
-            <a:off x="3308096" y="4993889"/>
-            <a:ext cx="5575808" cy="1600438"/>
-          </a:xfrm>
-          <a:prstGeom prst="rect">
-            <a:avLst/>
-          </a:prstGeom>
-          <a:noFill/>
-          <a:ln>
-            <a:solidFill>
-              <a:schemeClr val="tx1">
-                <a:lumMod val="50000"/>
-                <a:lumOff val="50000"/>
-              </a:schemeClr>
-            </a:solidFill>
-          </a:ln>
-        </p:spPr>
-        <p:txBody>
-          <a:bodyPr wrap="square" rtlCol="0">
-            <a:spAutoFit/>
-          </a:bodyPr>
-          <a:lstStyle/>
-          <a:p>
-            <a:pPr algn="ctr"/>
-            <a:r>
-              <a:rPr lang="en-US" sz="3200" dirty="0" err="1">
-                <a:solidFill>
-                  <a:schemeClr val="tx1">
-                    <a:lumMod val="65000"/>
-                    <a:lumOff val="35000"/>
-                  </a:schemeClr>
-                </a:solidFill>
-              </a:rPr>
-              <a:t>Vacunación</a:t>
-            </a:r>
-            <a:r>
-              <a:rPr lang="en-US" sz="3200" dirty="0">
-                <a:solidFill>
-                  <a:schemeClr val="tx1">
-                    <a:lumMod val="65000"/>
-                    <a:lumOff val="35000"/>
-                  </a:schemeClr>
-                </a:solidFill>
-              </a:rPr>
-              <a:t> </a:t>
-            </a:r>
-            <a:r>
-              <a:rPr lang="en-US" sz="3200" dirty="0" err="1">
-                <a:solidFill>
-                  <a:schemeClr val="tx1">
-                    <a:lumMod val="65000"/>
-                    <a:lumOff val="35000"/>
-                  </a:schemeClr>
-                </a:solidFill>
-              </a:rPr>
-              <a:t>en</a:t>
-            </a:r>
-            <a:r>
-              <a:rPr lang="en-US" sz="3200" dirty="0">
-                <a:solidFill>
-                  <a:schemeClr val="tx1">
-                    <a:lumMod val="65000"/>
-                    <a:lumOff val="35000"/>
-                  </a:schemeClr>
-                </a:solidFill>
-              </a:rPr>
-              <a:t> Población Total </a:t>
-            </a:r>
-            <a:endParaRPr lang="en-US" sz="3200" b="1" dirty="0">
-              <a:solidFill>
-                <a:schemeClr val="accent1"/>
-              </a:solidFill>
-            </a:endParaRPr>
-          </a:p>
-          <a:p>
-            <a:pPr algn="ctr"/>
-            <a:r>
-              <a:rPr lang="en-US" sz="4800" b="1" dirty="0">
-                <a:solidFill>
-                  <a:schemeClr val="accent1"/>
-                </a:solidFill>
-              </a:rPr>
-              <a:t>59% </a:t>
-            </a:r>
-          </a:p>
-          <a:p>
-            <a:pPr algn="ctr"/>
-            <a:r>
-              <a:rPr lang="en-US" dirty="0">
-                <a:solidFill>
-                  <a:schemeClr val="tx1">
-                    <a:lumMod val="65000"/>
-                    <a:lumOff val="35000"/>
-                  </a:schemeClr>
-                </a:solidFill>
-              </a:rPr>
-              <a:t>(</a:t>
-            </a:r>
-            <a:r>
-              <a:rPr lang="en-US" dirty="0" err="1">
-                <a:solidFill>
-                  <a:schemeClr val="tx1">
-                    <a:lumMod val="65000"/>
-                    <a:lumOff val="35000"/>
-                  </a:schemeClr>
-                </a:solidFill>
-              </a:rPr>
-              <a:t>dosis</a:t>
-            </a:r>
-            <a:r>
-              <a:rPr lang="en-US" dirty="0">
-                <a:solidFill>
-                  <a:schemeClr val="tx1">
-                    <a:lumMod val="65000"/>
-                    <a:lumOff val="35000"/>
-                  </a:schemeClr>
-                </a:solidFill>
-              </a:rPr>
-              <a:t> </a:t>
-            </a:r>
-            <a:r>
-              <a:rPr lang="en-US" dirty="0" err="1">
-                <a:solidFill>
-                  <a:schemeClr val="tx1">
-                    <a:lumMod val="65000"/>
-                    <a:lumOff val="35000"/>
-                  </a:schemeClr>
-                </a:solidFill>
-              </a:rPr>
-              <a:t>completa</a:t>
-            </a:r>
-            <a:r>
-              <a:rPr lang="en-US" dirty="0">
-                <a:solidFill>
-                  <a:schemeClr val="tx1">
-                    <a:lumMod val="65000"/>
-                    <a:lumOff val="35000"/>
-                  </a:schemeClr>
-                </a:solidFill>
-              </a:rPr>
-              <a:t> </a:t>
-            </a:r>
-            <a:r>
-              <a:rPr lang="en-US" dirty="0" err="1">
-                <a:solidFill>
-                  <a:schemeClr val="tx1">
-                    <a:lumMod val="65000"/>
-                    <a:lumOff val="35000"/>
-                  </a:schemeClr>
-                </a:solidFill>
-              </a:rPr>
-              <a:t>más</a:t>
-            </a:r>
-            <a:r>
-              <a:rPr lang="en-US" dirty="0">
-                <a:solidFill>
-                  <a:schemeClr val="tx1">
-                    <a:lumMod val="65000"/>
-                    <a:lumOff val="35000"/>
-                  </a:schemeClr>
-                </a:solidFill>
-              </a:rPr>
-              <a:t> 14 días) </a:t>
-            </a:r>
-          </a:p>
-        </p:txBody>
-      </p:sp>
-      <p:sp>
-        <p:nvSpPr>
           <p:cNvPr id="3" name="Rectangle 2">
             <a:extLst>
               <a:ext uri="{FF2B5EF4-FFF2-40B4-BE49-F238E27FC236}">
@@ -7775,7 +7595,7 @@
         </p:nvSpPr>
         <p:spPr>
           <a:xfrm>
-            <a:off x="415248" y="1059501"/>
+            <a:off x="462140" y="1610486"/>
             <a:ext cx="4824000" cy="1569660"/>
           </a:xfrm>
           <a:prstGeom prst="rect">
@@ -7891,7 +7711,7 @@
         </p:nvSpPr>
         <p:spPr>
           <a:xfrm>
-            <a:off x="7356546" y="1063892"/>
+            <a:off x="7403438" y="1614877"/>
             <a:ext cx="3668184" cy="1569660"/>
           </a:xfrm>
           <a:prstGeom prst="rect">
@@ -8004,7 +7824,7 @@
         </p:nvSpPr>
         <p:spPr>
           <a:xfrm>
-            <a:off x="415247" y="2936178"/>
+            <a:off x="462139" y="3487163"/>
             <a:ext cx="4824000" cy="1569660"/>
           </a:xfrm>
           <a:prstGeom prst="rect">
@@ -8121,7 +7941,7 @@
         </p:nvSpPr>
         <p:spPr>
           <a:xfrm>
-            <a:off x="6778638" y="2936351"/>
+            <a:off x="6825530" y="3487336"/>
             <a:ext cx="4824000" cy="1569660"/>
           </a:xfrm>
           <a:prstGeom prst="rect">
